--- a/07_ReactJS/Presentations/01. Introduction-to-ReactJS.pptx
+++ b/07_ReactJS/Presentations/01. Introduction-to-ReactJS.pptx
@@ -38,8 +38,8 @@
     <p:sldId id="657" r:id="rId26"/>
     <p:sldId id="349" r:id="rId27"/>
     <p:sldId id="401" r:id="rId28"/>
-    <p:sldId id="614" r:id="rId29"/>
-    <p:sldId id="608" r:id="rId30"/>
+    <p:sldId id="660" r:id="rId29"/>
+    <p:sldId id="661" r:id="rId30"/>
     <p:sldId id="405" r:id="rId31"/>
     <p:sldId id="493" r:id="rId32"/>
   </p:sldIdLst>
@@ -192,8 +192,8 @@
           <p14:sldIdLst>
             <p14:sldId id="349"/>
             <p14:sldId id="401"/>
-            <p14:sldId id="614"/>
-            <p14:sldId id="608"/>
+            <p14:sldId id="660"/>
+            <p14:sldId id="661"/>
             <p14:sldId id="405"/>
             <p14:sldId id="493"/>
           </p14:sldIdLst>
@@ -323,7 +323,7 @@
           <a:p>
             <a:fld id="{4E087215-0C8F-4762-A664-737A353EC9A4}" type="datetimeFigureOut">
               <a:rPr lang="bg-BG" smtClean="0"/>
-              <a:t>27.6.2022 г.</a:t>
+              <a:t>13.1.2023 г.</a:t>
             </a:fld>
             <a:endParaRPr lang="bg-BG"/>
           </a:p>
@@ -514,7 +514,7 @@
           <a:p>
             <a:fld id="{72D84649-876A-46C9-8472-14CB09C070D8}" type="datetimeFigureOut">
               <a:rPr lang="en-US" smtClean="0"/>
-              <a:t>6/27/2022</a:t>
+              <a:t>1/13/2023</a:t>
             </a:fld>
             <a:endParaRPr lang="en-US"/>
           </a:p>
@@ -2155,7 +2155,7 @@
           <p:nvPr userDrawn="1"/>
         </p:nvPicPr>
         <p:blipFill>
-          <a:blip r:embed="rId2">
+          <a:blip r:embed="rId2" cstate="hqprint">
             <a:clrChange>
               <a:clrFrom>
                 <a:srgbClr val="FFFFFF"/>
@@ -2361,7 +2361,7 @@
           <p:nvPr userDrawn="1"/>
         </p:nvPicPr>
         <p:blipFill>
-          <a:blip r:embed="rId5">
+          <a:blip r:embed="rId5" cstate="hqprint">
             <a:clrChange>
               <a:clrFrom>
                 <a:srgbClr val="FFFFFF"/>
@@ -3214,7 +3214,7 @@
           <p:nvPr userDrawn="1"/>
         </p:nvPicPr>
         <p:blipFill>
-          <a:blip r:embed="rId2">
+          <a:blip r:embed="rId2" cstate="hqprint">
             <a:extLst>
               <a:ext uri="{28A0092B-C50C-407E-A947-70E740481C1C}">
                 <a14:useLocalDpi xmlns:a14="http://schemas.microsoft.com/office/drawing/2010/main" val="0"/>
@@ -4225,7 +4225,7 @@
           <p:nvPr userDrawn="1"/>
         </p:nvPicPr>
         <p:blipFill>
-          <a:blip r:embed="rId11">
+          <a:blip r:embed="rId11" cstate="hqprint">
             <a:clrChange>
               <a:clrFrom>
                 <a:srgbClr val="FFFFFF"/>
@@ -4451,7 +4451,7 @@
           <p:nvPr userDrawn="1"/>
         </p:nvPicPr>
         <p:blipFill>
-          <a:blip r:embed="rId7">
+          <a:blip r:embed="rId7" cstate="hqprint">
             <a:extLst>
               <a:ext uri="{28A0092B-C50C-407E-A947-70E740481C1C}">
                 <a14:useLocalDpi xmlns:a14="http://schemas.microsoft.com/office/drawing/2010/main" val="0"/>
@@ -4732,7 +4732,7 @@
           <p:nvPr userDrawn="1"/>
         </p:nvPicPr>
         <p:blipFill>
-          <a:blip r:embed="rId11">
+          <a:blip r:embed="rId11" cstate="hqprint">
             <a:extLst>
               <a:ext uri="{28A0092B-C50C-407E-A947-70E740481C1C}">
                 <a14:useLocalDpi xmlns:a14="http://schemas.microsoft.com/office/drawing/2010/main" val="0"/>
@@ -5252,7 +5252,7 @@
           <p:nvPr userDrawn="1"/>
         </p:nvPicPr>
         <p:blipFill>
-          <a:blip r:embed="rId2">
+          <a:blip r:embed="rId2" cstate="hqprint">
             <a:extLst>
               <a:ext uri="{28A0092B-C50C-407E-A947-70E740481C1C}">
                 <a14:useLocalDpi xmlns:a14="http://schemas.microsoft.com/office/drawing/2010/main" val="0"/>
@@ -5582,7 +5582,7 @@
           <p:nvPr userDrawn="1"/>
         </p:nvPicPr>
         <p:blipFill>
-          <a:blip r:embed="rId2">
+          <a:blip r:embed="rId2" cstate="hqprint">
             <a:clrChange>
               <a:clrFrom>
                 <a:srgbClr val="FFFFFF"/>
@@ -7004,7 +7004,7 @@
           <p:nvPr userDrawn="1"/>
         </p:nvPicPr>
         <p:blipFill>
-          <a:blip r:embed="rId2">
+          <a:blip r:embed="rId2" cstate="hqprint">
             <a:clrChange>
               <a:clrFrom>
                 <a:srgbClr val="FFFFFF"/>
@@ -9744,7 +9744,7 @@
           <p:nvPr userDrawn="1"/>
         </p:nvPicPr>
         <p:blipFill>
-          <a:blip r:embed="rId2">
+          <a:blip r:embed="rId2" cstate="hqprint">
             <a:extLst>
               <a:ext uri="{28A0092B-C50C-407E-A947-70E740481C1C}">
                 <a14:useLocalDpi xmlns:a14="http://schemas.microsoft.com/office/drawing/2010/main" val="0"/>
@@ -10109,7 +10109,7 @@
           <p:nvPr userDrawn="1"/>
         </p:nvPicPr>
         <p:blipFill>
-          <a:blip r:embed="rId3">
+          <a:blip r:embed="rId3" cstate="hqprint">
             <a:extLst>
               <a:ext uri="{28A0092B-C50C-407E-A947-70E740481C1C}">
                 <a14:useLocalDpi xmlns:a14="http://schemas.microsoft.com/office/drawing/2010/main" val="0"/>
@@ -10700,7 +10700,7 @@
           <p:nvPr userDrawn="1"/>
         </p:nvPicPr>
         <p:blipFill>
-          <a:blip r:embed="rId3">
+          <a:blip r:embed="rId3" cstate="hqprint">
             <a:extLst>
               <a:ext uri="{28A0092B-C50C-407E-A947-70E740481C1C}">
                 <a14:useLocalDpi xmlns:a14="http://schemas.microsoft.com/office/drawing/2010/main" val="0"/>
@@ -20312,11 +20312,11 @@
       </p:sp>
       <p:pic>
         <p:nvPicPr>
-          <p:cNvPr id="17" name="Picture 16" descr="Graphical user interface, text, application&#10;&#10;Description automatically generated">
+          <p:cNvPr id="19" name="Picture 18" descr="Logo, company name&#10;&#10;Description automatically generated">
             <a:hlinkClick r:id="rId2"/>
             <a:extLst>
               <a:ext uri="{FF2B5EF4-FFF2-40B4-BE49-F238E27FC236}">
-                <a16:creationId xmlns:a16="http://schemas.microsoft.com/office/drawing/2014/main" id="{817217D7-0BF6-4D9E-8E3B-E4C13EC5C3A5}"/>
+                <a16:creationId xmlns:a16="http://schemas.microsoft.com/office/drawing/2014/main" id="{F695C7C5-DABF-43EE-A6C1-EAE2EEE0C90E}"/>
               </a:ext>
             </a:extLst>
           </p:cNvPr>
@@ -20333,13 +20333,13 @@
               </a:ext>
             </a:extLst>
           </a:blip>
-          <a:srcRect l="8432" t="2384" r="19064" b="23051"/>
+          <a:srcRect l="15754" t="27513" r="15212" b="31480"/>
           <a:stretch/>
         </p:blipFill>
         <p:spPr>
           <a:xfrm>
-            <a:off x="585251" y="2823602"/>
-            <a:ext cx="2217855" cy="1092173"/>
+            <a:off x="277587" y="5655568"/>
+            <a:ext cx="1704391" cy="759297"/>
           </a:xfrm>
           <a:prstGeom prst="rect">
             <a:avLst/>
@@ -20348,11 +20348,11 @@
       </p:pic>
       <p:pic>
         <p:nvPicPr>
-          <p:cNvPr id="20" name="Picture 19" descr="Text&#10;&#10;Description automatically generated with low confidence">
+          <p:cNvPr id="23" name="Picture 22" descr="A picture containing logo&#10;&#10;Description automatically generated">
             <a:hlinkClick r:id="rId4"/>
             <a:extLst>
               <a:ext uri="{FF2B5EF4-FFF2-40B4-BE49-F238E27FC236}">
-                <a16:creationId xmlns:a16="http://schemas.microsoft.com/office/drawing/2014/main" id="{04A6A894-8A9A-4E5B-88D1-24F9A2F84830}"/>
+                <a16:creationId xmlns:a16="http://schemas.microsoft.com/office/drawing/2014/main" id="{BA25B75E-8216-4248-83D3-EC26438E34CB}"/>
               </a:ext>
             </a:extLst>
           </p:cNvPr>
@@ -20375,8 +20375,8 @@
         </p:blipFill>
         <p:spPr>
           <a:xfrm>
-            <a:off x="6480658" y="1068463"/>
-            <a:ext cx="2089504" cy="1639964"/>
+            <a:off x="9535193" y="5558957"/>
+            <a:ext cx="1593799" cy="952521"/>
           </a:xfrm>
           <a:prstGeom prst="rect">
             <a:avLst/>
@@ -20385,11 +20385,47 @@
       </p:pic>
       <p:pic>
         <p:nvPicPr>
-          <p:cNvPr id="25" name="Picture 24" descr="Graphical user interface&#10;&#10;Description automatically generated with low confidence">
+          <p:cNvPr id="24" name="Picture 23" descr="Graphical user interface, text, application&#10;&#10;Description automatically generated">
             <a:hlinkClick r:id="rId6"/>
             <a:extLst>
               <a:ext uri="{FF2B5EF4-FFF2-40B4-BE49-F238E27FC236}">
-                <a16:creationId xmlns:a16="http://schemas.microsoft.com/office/drawing/2014/main" id="{83257898-7623-4DC1-92DC-C5AD2AC74CFA}"/>
+                <a16:creationId xmlns:a16="http://schemas.microsoft.com/office/drawing/2014/main" id="{99BE8E0D-4CD6-423C-B482-4BF691E004B9}"/>
+              </a:ext>
+            </a:extLst>
+          </p:cNvPr>
+          <p:cNvPicPr>
+            <a:picLocks noChangeAspect="1"/>
+          </p:cNvPicPr>
+          <p:nvPr/>
+        </p:nvPicPr>
+        <p:blipFill rotWithShape="1">
+          <a:blip r:embed="rId7">
+            <a:extLst>
+              <a:ext uri="{28A0092B-C50C-407E-A947-70E740481C1C}">
+                <a14:useLocalDpi xmlns:a14="http://schemas.microsoft.com/office/drawing/2010/main" val="0"/>
+              </a:ext>
+            </a:extLst>
+          </a:blip>
+          <a:srcRect l="8432" t="2384" r="19064" b="23051"/>
+          <a:stretch/>
+        </p:blipFill>
+        <p:spPr>
+          <a:xfrm>
+            <a:off x="2735348" y="2557422"/>
+            <a:ext cx="2211823" cy="1089203"/>
+          </a:xfrm>
+          <a:prstGeom prst="rect">
+            <a:avLst/>
+          </a:prstGeom>
+        </p:spPr>
+      </p:pic>
+      <p:pic>
+        <p:nvPicPr>
+          <p:cNvPr id="26" name="Picture 25" descr="Logo&#10;&#10;Description automatically generated">
+            <a:hlinkClick r:id="rId8"/>
+            <a:extLst>
+              <a:ext uri="{FF2B5EF4-FFF2-40B4-BE49-F238E27FC236}">
+                <a16:creationId xmlns:a16="http://schemas.microsoft.com/office/drawing/2014/main" id="{3A1E1CA1-D56C-4DE1-9BDC-F2FA10D0931A}"/>
               </a:ext>
             </a:extLst>
           </p:cNvPr>
@@ -20399,7 +20435,7 @@
           <p:nvPr/>
         </p:nvPicPr>
         <p:blipFill>
-          <a:blip r:embed="rId7">
+          <a:blip r:embed="rId9">
             <a:extLst>
               <a:ext uri="{28A0092B-C50C-407E-A947-70E740481C1C}">
                 <a14:useLocalDpi xmlns:a14="http://schemas.microsoft.com/office/drawing/2010/main" val="0"/>
@@ -20412,8 +20448,8 @@
         </p:blipFill>
         <p:spPr>
           <a:xfrm>
-            <a:off x="9108517" y="1367878"/>
-            <a:ext cx="2045805" cy="2515334"/>
+            <a:off x="103821" y="4194384"/>
+            <a:ext cx="2366037" cy="1025101"/>
           </a:xfrm>
           <a:prstGeom prst="rect">
             <a:avLst/>
@@ -20422,47 +20458,11 @@
       </p:pic>
       <p:pic>
         <p:nvPicPr>
-          <p:cNvPr id="27" name="Picture 26" descr="Logo&#10;&#10;Description automatically generated with low confidence">
-            <a:hlinkClick r:id="rId8"/>
-            <a:extLst>
-              <a:ext uri="{FF2B5EF4-FFF2-40B4-BE49-F238E27FC236}">
-                <a16:creationId xmlns:a16="http://schemas.microsoft.com/office/drawing/2014/main" id="{C179D76D-17E7-4F4E-9808-BBF903658DA6}"/>
-              </a:ext>
-            </a:extLst>
-          </p:cNvPr>
-          <p:cNvPicPr>
-            <a:picLocks noChangeAspect="1"/>
-          </p:cNvPicPr>
-          <p:nvPr/>
-        </p:nvPicPr>
-        <p:blipFill rotWithShape="1">
-          <a:blip r:embed="rId9">
-            <a:extLst>
-              <a:ext uri="{28A0092B-C50C-407E-A947-70E740481C1C}">
-                <a14:useLocalDpi xmlns:a14="http://schemas.microsoft.com/office/drawing/2010/main" val="0"/>
-              </a:ext>
-            </a:extLst>
-          </a:blip>
-          <a:srcRect l="3778" t="16985" r="2532" b="21422"/>
-          <a:stretch/>
-        </p:blipFill>
-        <p:spPr>
-          <a:xfrm>
-            <a:off x="3593620" y="3099687"/>
-            <a:ext cx="4455001" cy="540001"/>
-          </a:xfrm>
-          <a:prstGeom prst="rect">
-            <a:avLst/>
-          </a:prstGeom>
-        </p:spPr>
-      </p:pic>
-      <p:pic>
-        <p:nvPicPr>
-          <p:cNvPr id="30" name="Picture 29" descr="Logo&#10;&#10;Description automatically generated">
+          <p:cNvPr id="29" name="Picture 28" descr="Text&#10;&#10;Description automatically generated with low confidence">
             <a:hlinkClick r:id="rId10"/>
             <a:extLst>
               <a:ext uri="{FF2B5EF4-FFF2-40B4-BE49-F238E27FC236}">
-                <a16:creationId xmlns:a16="http://schemas.microsoft.com/office/drawing/2014/main" id="{93F033DD-94F4-4599-9D64-B6A8BF46466B}"/>
+                <a16:creationId xmlns:a16="http://schemas.microsoft.com/office/drawing/2014/main" id="{7E770D87-9E84-428A-B6DE-60CA6A95A965}"/>
               </a:ext>
             </a:extLst>
           </p:cNvPr>
@@ -20485,8 +20485,8 @@
         </p:blipFill>
         <p:spPr>
           <a:xfrm>
-            <a:off x="880991" y="1249982"/>
-            <a:ext cx="1824182" cy="1276927"/>
+            <a:off x="2721161" y="875362"/>
+            <a:ext cx="2184284" cy="1714353"/>
           </a:xfrm>
           <a:prstGeom prst="rect">
             <a:avLst/>
@@ -20495,11 +20495,11 @@
       </p:pic>
       <p:pic>
         <p:nvPicPr>
-          <p:cNvPr id="22" name="Picture 21" descr="Text&#10;&#10;Description automatically generated with low confidence">
+          <p:cNvPr id="34" name="Picture 33" descr="A picture containing logo&#10;&#10;Description automatically generated">
             <a:hlinkClick r:id="rId12"/>
             <a:extLst>
               <a:ext uri="{FF2B5EF4-FFF2-40B4-BE49-F238E27FC236}">
-                <a16:creationId xmlns:a16="http://schemas.microsoft.com/office/drawing/2014/main" id="{2D9A9160-CFB1-4198-B631-320EFBF99E2C}"/>
+                <a16:creationId xmlns:a16="http://schemas.microsoft.com/office/drawing/2014/main" id="{68388868-5056-476F-9288-137236A04225}"/>
               </a:ext>
             </a:extLst>
           </p:cNvPr>
@@ -20522,8 +20522,8 @@
         </p:blipFill>
         <p:spPr>
           <a:xfrm>
-            <a:off x="3566029" y="1793140"/>
-            <a:ext cx="2376275" cy="535946"/>
+            <a:off x="6480500" y="5641819"/>
+            <a:ext cx="1815525" cy="869659"/>
           </a:xfrm>
           <a:prstGeom prst="rect">
             <a:avLst/>
@@ -20532,11 +20532,11 @@
       </p:pic>
       <p:pic>
         <p:nvPicPr>
-          <p:cNvPr id="21" name="Picture 20" descr="Logo, company name&#10;&#10;Description automatically generated">
+          <p:cNvPr id="35" name="Picture 34" descr="Logo&#10;&#10;Description automatically generated with low confidence">
             <a:hlinkClick r:id="rId14"/>
             <a:extLst>
               <a:ext uri="{FF2B5EF4-FFF2-40B4-BE49-F238E27FC236}">
-                <a16:creationId xmlns:a16="http://schemas.microsoft.com/office/drawing/2014/main" id="{B2C7AFA4-B03B-4F90-BCF5-42B64D45FD93}"/>
+                <a16:creationId xmlns:a16="http://schemas.microsoft.com/office/drawing/2014/main" id="{B87F00C9-0D0A-4D3E-82E8-9A2CFBB8B646}"/>
               </a:ext>
             </a:extLst>
           </p:cNvPr>
@@ -20545,7 +20545,7 @@
           </p:cNvPicPr>
           <p:nvPr/>
         </p:nvPicPr>
-        <p:blipFill rotWithShape="1">
+        <p:blipFill>
           <a:blip r:embed="rId15">
             <a:extLst>
               <a:ext uri="{28A0092B-C50C-407E-A947-70E740481C1C}">
@@ -20553,13 +20553,14 @@
               </a:ext>
             </a:extLst>
           </a:blip>
-          <a:srcRect l="15754" t="27513" r="15212" b="31480"/>
-          <a:stretch/>
+          <a:stretch>
+            <a:fillRect/>
+          </a:stretch>
         </p:blipFill>
         <p:spPr>
           <a:xfrm>
-            <a:off x="877702" y="5756803"/>
-            <a:ext cx="1704391" cy="759297"/>
+            <a:off x="5682336" y="1383106"/>
+            <a:ext cx="5236953" cy="965563"/>
           </a:xfrm>
           <a:prstGeom prst="rect">
             <a:avLst/>
@@ -20568,11 +20569,11 @@
       </p:pic>
       <p:pic>
         <p:nvPicPr>
-          <p:cNvPr id="28" name="Picture 27" descr="A picture containing logo&#10;&#10;Description automatically generated">
+          <p:cNvPr id="36" name="Picture 35" descr="Shape&#10;&#10;Description automatically generated with medium confidence">
             <a:hlinkClick r:id="rId16"/>
             <a:extLst>
               <a:ext uri="{FF2B5EF4-FFF2-40B4-BE49-F238E27FC236}">
-                <a16:creationId xmlns:a16="http://schemas.microsoft.com/office/drawing/2014/main" id="{8D7EE580-66D1-490E-AB52-9AAD1973ADFA}"/>
+                <a16:creationId xmlns:a16="http://schemas.microsoft.com/office/drawing/2014/main" id="{3B30853C-111E-4B36-8BEF-DFE3C6A84C5A}"/>
               </a:ext>
             </a:extLst>
           </p:cNvPr>
@@ -20595,8 +20596,8 @@
         </p:blipFill>
         <p:spPr>
           <a:xfrm>
-            <a:off x="877702" y="4261665"/>
-            <a:ext cx="1827471" cy="1092173"/>
+            <a:off x="2822761" y="5601521"/>
+            <a:ext cx="2520171" cy="869659"/>
           </a:xfrm>
           <a:prstGeom prst="rect">
             <a:avLst/>
@@ -20605,11 +20606,11 @@
       </p:pic>
       <p:pic>
         <p:nvPicPr>
-          <p:cNvPr id="29" name="Picture 28" descr="Logo, company name&#10;&#10;Description automatically generated">
+          <p:cNvPr id="37" name="Picture 36" descr="Logo&#10;&#10;Description automatically generated">
             <a:hlinkClick r:id="rId18"/>
             <a:extLst>
               <a:ext uri="{FF2B5EF4-FFF2-40B4-BE49-F238E27FC236}">
-                <a16:creationId xmlns:a16="http://schemas.microsoft.com/office/drawing/2014/main" id="{D90A1DB9-C677-4980-898B-02F96A34874B}"/>
+                <a16:creationId xmlns:a16="http://schemas.microsoft.com/office/drawing/2014/main" id="{92837D2B-E933-480C-87FA-0B9DBAACA047}"/>
               </a:ext>
             </a:extLst>
           </p:cNvPr>
@@ -20618,21 +20619,22 @@
           </p:cNvPicPr>
           <p:nvPr/>
         </p:nvPicPr>
-        <p:blipFill rotWithShape="1">
-          <a:blip r:embed="rId19">
+        <p:blipFill>
+          <a:blip r:embed="rId19" cstate="hqprint">
             <a:extLst>
               <a:ext uri="{28A0092B-C50C-407E-A947-70E740481C1C}">
                 <a14:useLocalDpi xmlns:a14="http://schemas.microsoft.com/office/drawing/2010/main" val="0"/>
               </a:ext>
             </a:extLst>
           </a:blip>
-          <a:srcRect l="9355" t="30252" r="7839" b="28040"/>
-          <a:stretch/>
+          <a:stretch>
+            <a:fillRect/>
+          </a:stretch>
         </p:blipFill>
         <p:spPr>
           <a:xfrm>
-            <a:off x="8454322" y="4248225"/>
-            <a:ext cx="2700000" cy="765000"/>
+            <a:off x="2563669" y="4086151"/>
+            <a:ext cx="2779263" cy="1075844"/>
           </a:xfrm>
           <a:prstGeom prst="rect">
             <a:avLst/>
@@ -20641,11 +20643,11 @@
       </p:pic>
       <p:pic>
         <p:nvPicPr>
-          <p:cNvPr id="31" name="Picture 30" descr="Logo&#10;&#10;Description automatically generated">
+          <p:cNvPr id="38" name="Picture 37" descr="Graphical user interface&#10;&#10;Description automatically generated with low confidence">
             <a:hlinkClick r:id="rId20"/>
             <a:extLst>
               <a:ext uri="{FF2B5EF4-FFF2-40B4-BE49-F238E27FC236}">
-                <a16:creationId xmlns:a16="http://schemas.microsoft.com/office/drawing/2014/main" id="{51539337-EA92-4DEC-B27C-1C96A708D318}"/>
+                <a16:creationId xmlns:a16="http://schemas.microsoft.com/office/drawing/2014/main" id="{DF73092C-E471-4116-B890-7E2254703887}"/>
               </a:ext>
             </a:extLst>
           </p:cNvPr>
@@ -20668,8 +20670,8 @@
         </p:blipFill>
         <p:spPr>
           <a:xfrm>
-            <a:off x="3555611" y="4109323"/>
-            <a:ext cx="3711886" cy="1327171"/>
+            <a:off x="306035" y="1476349"/>
+            <a:ext cx="1865077" cy="2314493"/>
           </a:xfrm>
           <a:prstGeom prst="rect">
             <a:avLst/>
@@ -20678,11 +20680,11 @@
       </p:pic>
       <p:pic>
         <p:nvPicPr>
-          <p:cNvPr id="32" name="Picture 31" descr="Logo&#10;&#10;Description automatically generated">
+          <p:cNvPr id="39" name="Picture 38" descr="Text&#10;&#10;Description automatically generated with low confidence">
             <a:hlinkClick r:id="rId22"/>
             <a:extLst>
               <a:ext uri="{FF2B5EF4-FFF2-40B4-BE49-F238E27FC236}">
-                <a16:creationId xmlns:a16="http://schemas.microsoft.com/office/drawing/2014/main" id="{F70938FD-B0F5-423E-8C2C-99B884B6B04A}"/>
+                <a16:creationId xmlns:a16="http://schemas.microsoft.com/office/drawing/2014/main" id="{282CE06A-8307-4AAA-8AF5-197432017668}"/>
               </a:ext>
             </a:extLst>
           </p:cNvPr>
@@ -20692,7 +20694,7 @@
           <p:nvPr/>
         </p:nvPicPr>
         <p:blipFill>
-          <a:blip r:embed="rId23">
+          <a:blip r:embed="rId23" cstate="hqprint">
             <a:extLst>
               <a:ext uri="{28A0092B-C50C-407E-A947-70E740481C1C}">
                 <a14:useLocalDpi xmlns:a14="http://schemas.microsoft.com/office/drawing/2010/main" val="0"/>
@@ -20705,8 +20707,8 @@
         </p:blipFill>
         <p:spPr>
           <a:xfrm>
-            <a:off x="8454322" y="5499000"/>
-            <a:ext cx="2657856" cy="916485"/>
+            <a:off x="6049177" y="4363431"/>
+            <a:ext cx="2757360" cy="621896"/>
           </a:xfrm>
           <a:prstGeom prst="rect">
             <a:avLst/>
@@ -20715,11 +20717,11 @@
       </p:pic>
       <p:pic>
         <p:nvPicPr>
-          <p:cNvPr id="33" name="Picture 32" descr="A picture containing logo&#10;&#10;Description automatically generated">
+          <p:cNvPr id="40" name="Picture 39" descr="Logo&#10;&#10;Description automatically generated">
             <a:hlinkClick r:id="rId24"/>
             <a:extLst>
               <a:ext uri="{FF2B5EF4-FFF2-40B4-BE49-F238E27FC236}">
-                <a16:creationId xmlns:a16="http://schemas.microsoft.com/office/drawing/2014/main" id="{FFB981A5-A282-4429-A0A1-AD728C389669}"/>
+                <a16:creationId xmlns:a16="http://schemas.microsoft.com/office/drawing/2014/main" id="{C1CA53F6-A2C4-4E43-8E82-B322807D5805}"/>
               </a:ext>
             </a:extLst>
           </p:cNvPr>
@@ -20729,7 +20731,7 @@
           <p:nvPr/>
         </p:nvPicPr>
         <p:blipFill>
-          <a:blip r:embed="rId25" cstate="hqprint">
+          <a:blip r:embed="rId25">
             <a:extLst>
               <a:ext uri="{28A0092B-C50C-407E-A947-70E740481C1C}">
                 <a14:useLocalDpi xmlns:a14="http://schemas.microsoft.com/office/drawing/2010/main" val="0"/>
@@ -20742,8 +20744,82 @@
         </p:blipFill>
         <p:spPr>
           <a:xfrm>
-            <a:off x="4322500" y="5436494"/>
-            <a:ext cx="2391414" cy="1145517"/>
+            <a:off x="9388945" y="3914016"/>
+            <a:ext cx="1740047" cy="1218032"/>
+          </a:xfrm>
+          <a:prstGeom prst="rect">
+            <a:avLst/>
+          </a:prstGeom>
+        </p:spPr>
+      </p:pic>
+      <p:pic>
+        <p:nvPicPr>
+          <p:cNvPr id="41" name="Picture 40" descr="Logo&#10;&#10;Description automatically generated">
+            <a:hlinkClick r:id="rId26"/>
+            <a:extLst>
+              <a:ext uri="{FF2B5EF4-FFF2-40B4-BE49-F238E27FC236}">
+                <a16:creationId xmlns:a16="http://schemas.microsoft.com/office/drawing/2014/main" id="{A286012A-1A6D-4FD8-AF54-DE72F6FC3213}"/>
+              </a:ext>
+            </a:extLst>
+          </p:cNvPr>
+          <p:cNvPicPr>
+            <a:picLocks noChangeAspect="1"/>
+          </p:cNvPicPr>
+          <p:nvPr/>
+        </p:nvPicPr>
+        <p:blipFill>
+          <a:blip r:embed="rId27">
+            <a:extLst>
+              <a:ext uri="{28A0092B-C50C-407E-A947-70E740481C1C}">
+                <a14:useLocalDpi xmlns:a14="http://schemas.microsoft.com/office/drawing/2010/main" val="0"/>
+              </a:ext>
+            </a:extLst>
+          </a:blip>
+          <a:stretch>
+            <a:fillRect/>
+          </a:stretch>
+        </p:blipFill>
+        <p:spPr>
+          <a:xfrm>
+            <a:off x="9472469" y="2542277"/>
+            <a:ext cx="1656523" cy="1104348"/>
+          </a:xfrm>
+          <a:prstGeom prst="rect">
+            <a:avLst/>
+          </a:prstGeom>
+        </p:spPr>
+      </p:pic>
+      <p:pic>
+        <p:nvPicPr>
+          <p:cNvPr id="42" name="Picture 41" descr="A blue and white logo&#10;&#10;Description automatically generated with medium confidence">
+            <a:hlinkClick r:id="rId28"/>
+            <a:extLst>
+              <a:ext uri="{FF2B5EF4-FFF2-40B4-BE49-F238E27FC236}">
+                <a16:creationId xmlns:a16="http://schemas.microsoft.com/office/drawing/2014/main" id="{B5A85CC1-6CE9-43CE-84E8-5F0D26AF4C9B}"/>
+              </a:ext>
+            </a:extLst>
+          </p:cNvPr>
+          <p:cNvPicPr>
+            <a:picLocks noChangeAspect="1"/>
+          </p:cNvPicPr>
+          <p:nvPr/>
+        </p:nvPicPr>
+        <p:blipFill>
+          <a:blip r:embed="rId29">
+            <a:extLst>
+              <a:ext uri="{28A0092B-C50C-407E-A947-70E740481C1C}">
+                <a14:useLocalDpi xmlns:a14="http://schemas.microsoft.com/office/drawing/2010/main" val="0"/>
+              </a:ext>
+            </a:extLst>
+          </a:blip>
+          <a:stretch>
+            <a:fillRect/>
+          </a:stretch>
+        </p:blipFill>
+        <p:spPr>
+          <a:xfrm>
+            <a:off x="5539855" y="2585651"/>
+            <a:ext cx="3396816" cy="947556"/>
           </a:xfrm>
           <a:prstGeom prst="rect">
             <a:avLst/>
@@ -20753,7 +20829,7 @@
     </p:spTree>
     <p:extLst>
       <p:ext uri="{BB962C8B-B14F-4D97-AF65-F5344CB8AC3E}">
-        <p14:creationId xmlns:p14="http://schemas.microsoft.com/office/powerpoint/2010/main" val="993903741"/>
+        <p14:creationId xmlns:p14="http://schemas.microsoft.com/office/powerpoint/2010/main" val="3902926403"/>
       </p:ext>
     </p:extLst>
   </p:cSld>
@@ -20848,44 +20924,8 @@
       </p:sp>
       <p:pic>
         <p:nvPicPr>
-          <p:cNvPr id="13" name="Picture 12">
-            <a:extLst>
-              <a:ext uri="{FF2B5EF4-FFF2-40B4-BE49-F238E27FC236}">
-                <a16:creationId xmlns:a16="http://schemas.microsoft.com/office/drawing/2014/main" id="{44F98D6B-A014-49DE-BFE5-4440AB6347BD}"/>
-              </a:ext>
-            </a:extLst>
-          </p:cNvPr>
-          <p:cNvPicPr>
-            <a:picLocks noChangeAspect="1"/>
-          </p:cNvPicPr>
-          <p:nvPr/>
-        </p:nvPicPr>
-        <p:blipFill>
-          <a:blip r:embed="rId2">
-            <a:extLst>
-              <a:ext uri="{28A0092B-C50C-407E-A947-70E740481C1C}">
-                <a14:useLocalDpi xmlns:a14="http://schemas.microsoft.com/office/drawing/2010/main" val="0"/>
-              </a:ext>
-            </a:extLst>
-          </a:blip>
-          <a:stretch>
-            <a:fillRect/>
-          </a:stretch>
-        </p:blipFill>
-        <p:spPr>
-          <a:xfrm>
-            <a:off x="6343588" y="1804627"/>
-            <a:ext cx="4042163" cy="3991238"/>
-          </a:xfrm>
-          <a:prstGeom prst="rect">
-            <a:avLst/>
-          </a:prstGeom>
-          <a:noFill/>
-        </p:spPr>
-      </p:pic>
-      <p:pic>
-        <p:nvPicPr>
           <p:cNvPr id="8" name="Picture 7">
+            <a:hlinkClick r:id="rId2"/>
             <a:extLst>
               <a:ext uri="{FF2B5EF4-FFF2-40B4-BE49-F238E27FC236}">
                 <a16:creationId xmlns:a16="http://schemas.microsoft.com/office/drawing/2014/main" id="{19D59668-3C9A-4BAE-83AF-92CB45919E32}"/>
@@ -20905,8 +20945,8 @@
         </p:blipFill>
         <p:spPr>
           <a:xfrm>
-            <a:off x="1882001" y="2264942"/>
-            <a:ext cx="3284393" cy="3070608"/>
+            <a:off x="3530498" y="1855527"/>
+            <a:ext cx="3766935" cy="3521741"/>
           </a:xfrm>
           <a:prstGeom prst="rect">
             <a:avLst/>
@@ -20935,7 +20975,7 @@
     </p:spTree>
     <p:extLst>
       <p:ext uri="{BB962C8B-B14F-4D97-AF65-F5344CB8AC3E}">
-        <p14:creationId xmlns:p14="http://schemas.microsoft.com/office/powerpoint/2010/main" val="1874608649"/>
+        <p14:creationId xmlns:p14="http://schemas.microsoft.com/office/powerpoint/2010/main" val="3288328584"/>
       </p:ext>
     </p:extLst>
   </p:cSld>
@@ -21005,24 +21045,21 @@
               </a:rPr>
               <a:t>sli.do</a:t>
             </a:r>
+            <a:r>
+              <a:rPr lang="en-US" sz="5998" b="1" dirty="0"/>
+              <a:t/>
+            </a:r>
             <a:br>
               <a:rPr lang="en-US" sz="5998" b="1" dirty="0"/>
             </a:br>
             <a:r>
-              <a:rPr lang="en-US" sz="11497" b="1" dirty="0"/>
+              <a:rPr lang="en-US" sz="11497" b="1" dirty="0" smtClean="0"/>
               <a:t>#</a:t>
             </a:r>
             <a:r>
-              <a:rPr lang="en-GB" sz="11500" b="1" dirty="0" err="1"/>
-              <a:t>js</a:t>
-            </a:r>
-            <a:r>
               <a:rPr lang="en-GB" sz="11500" b="1"/>
-              <a:t>-web</a:t>
-            </a:r>
-            <a:endParaRPr lang="en-US" sz="9597" dirty="0"/>
-          </a:p>
-          <a:p>
+              <a:t>reactjs</a:t>
+            </a:r>
             <a:endParaRPr lang="en-US" dirty="0"/>
           </a:p>
         </p:txBody>
@@ -21148,7 +21185,7 @@
         </p:spPr>
         <p:txBody>
           <a:bodyPr>
-            <a:normAutofit/>
+            <a:normAutofit lnSpcReduction="10000"/>
           </a:bodyPr>
           <a:lstStyle/>
           <a:p>
